--- a/CSE2010 Advanced C programming/Reference Materials/16_Union in C.pptx
+++ b/CSE2010 Advanced C programming/Reference Materials/16_Union in C.pptx
@@ -311,7 +311,7 @@
           <a:p>
             <a:fld id="{419A7779-7AC8-4E88-9C33-AA126E260339}" type="datetimeFigureOut">
               <a:rPr lang="en-IN" smtClean="0"/>
-              <a:t>11-04-2021</a:t>
+              <a:t>02-06-2021</a:t>
             </a:fld>
             <a:endParaRPr lang="en-IN"/>
           </a:p>
@@ -481,7 +481,7 @@
           <a:p>
             <a:fld id="{419A7779-7AC8-4E88-9C33-AA126E260339}" type="datetimeFigureOut">
               <a:rPr lang="en-IN" smtClean="0"/>
-              <a:t>11-04-2021</a:t>
+              <a:t>02-06-2021</a:t>
             </a:fld>
             <a:endParaRPr lang="en-IN"/>
           </a:p>
@@ -661,7 +661,7 @@
           <a:p>
             <a:fld id="{419A7779-7AC8-4E88-9C33-AA126E260339}" type="datetimeFigureOut">
               <a:rPr lang="en-IN" smtClean="0"/>
-              <a:t>11-04-2021</a:t>
+              <a:t>02-06-2021</a:t>
             </a:fld>
             <a:endParaRPr lang="en-IN"/>
           </a:p>
@@ -831,7 +831,7 @@
           <a:p>
             <a:fld id="{419A7779-7AC8-4E88-9C33-AA126E260339}" type="datetimeFigureOut">
               <a:rPr lang="en-IN" smtClean="0"/>
-              <a:t>11-04-2021</a:t>
+              <a:t>02-06-2021</a:t>
             </a:fld>
             <a:endParaRPr lang="en-IN"/>
           </a:p>
@@ -1077,7 +1077,7 @@
           <a:p>
             <a:fld id="{419A7779-7AC8-4E88-9C33-AA126E260339}" type="datetimeFigureOut">
               <a:rPr lang="en-IN" smtClean="0"/>
-              <a:t>11-04-2021</a:t>
+              <a:t>02-06-2021</a:t>
             </a:fld>
             <a:endParaRPr lang="en-IN"/>
           </a:p>
@@ -1365,7 +1365,7 @@
           <a:p>
             <a:fld id="{419A7779-7AC8-4E88-9C33-AA126E260339}" type="datetimeFigureOut">
               <a:rPr lang="en-IN" smtClean="0"/>
-              <a:t>11-04-2021</a:t>
+              <a:t>02-06-2021</a:t>
             </a:fld>
             <a:endParaRPr lang="en-IN"/>
           </a:p>
@@ -1787,7 +1787,7 @@
           <a:p>
             <a:fld id="{419A7779-7AC8-4E88-9C33-AA126E260339}" type="datetimeFigureOut">
               <a:rPr lang="en-IN" smtClean="0"/>
-              <a:t>11-04-2021</a:t>
+              <a:t>02-06-2021</a:t>
             </a:fld>
             <a:endParaRPr lang="en-IN"/>
           </a:p>
@@ -1905,7 +1905,7 @@
           <a:p>
             <a:fld id="{419A7779-7AC8-4E88-9C33-AA126E260339}" type="datetimeFigureOut">
               <a:rPr lang="en-IN" smtClean="0"/>
-              <a:t>11-04-2021</a:t>
+              <a:t>02-06-2021</a:t>
             </a:fld>
             <a:endParaRPr lang="en-IN"/>
           </a:p>
@@ -2000,7 +2000,7 @@
           <a:p>
             <a:fld id="{419A7779-7AC8-4E88-9C33-AA126E260339}" type="datetimeFigureOut">
               <a:rPr lang="en-IN" smtClean="0"/>
-              <a:t>11-04-2021</a:t>
+              <a:t>02-06-2021</a:t>
             </a:fld>
             <a:endParaRPr lang="en-IN"/>
           </a:p>
@@ -2277,7 +2277,7 @@
           <a:p>
             <a:fld id="{419A7779-7AC8-4E88-9C33-AA126E260339}" type="datetimeFigureOut">
               <a:rPr lang="en-IN" smtClean="0"/>
-              <a:t>11-04-2021</a:t>
+              <a:t>02-06-2021</a:t>
             </a:fld>
             <a:endParaRPr lang="en-IN"/>
           </a:p>
@@ -2530,7 +2530,7 @@
           <a:p>
             <a:fld id="{419A7779-7AC8-4E88-9C33-AA126E260339}" type="datetimeFigureOut">
               <a:rPr lang="en-IN" smtClean="0"/>
-              <a:t>11-04-2021</a:t>
+              <a:t>02-06-2021</a:t>
             </a:fld>
             <a:endParaRPr lang="en-IN"/>
           </a:p>
@@ -2743,7 +2743,7 @@
           <a:p>
             <a:fld id="{419A7779-7AC8-4E88-9C33-AA126E260339}" type="datetimeFigureOut">
               <a:rPr lang="en-IN" smtClean="0"/>
-              <a:t>11-04-2021</a:t>
+              <a:t>02-06-2021</a:t>
             </a:fld>
             <a:endParaRPr lang="en-IN"/>
           </a:p>
